--- a/FeedsDemoPresentation.pptx
+++ b/FeedsDemoPresentation.pptx
@@ -11257,11 +11257,7 @@
             </a:pPr>
             <a:r>
               <a:rPr lang="en-US" dirty="0" smtClean="0"/>
-              <a:t>Callout </a:t>
-            </a:r>
-            <a:r>
-              <a:rPr lang="en-US" dirty="0" smtClean="0"/>
-              <a:t>-&gt; Callout</a:t>
+              <a:t>Callout -&gt; Callout</a:t>
             </a:r>
             <a:endParaRPr lang="en-US" dirty="0"/>
           </a:p>
@@ -11456,19 +11452,7 @@
           <a:p>
             <a:r>
               <a:rPr lang="en-US" dirty="0" smtClean="0"/>
-              <a:t>Export mappings to </a:t>
-            </a:r>
-            <a:r>
-              <a:rPr lang="en-US" dirty="0" smtClean="0"/>
-              <a:t>code. If you go to </a:t>
-            </a:r>
-            <a:r>
-              <a:rPr lang="en-US" dirty="0" smtClean="0"/>
-              <a:t>Structure -&gt; Features, </a:t>
-            </a:r>
-            <a:r>
-              <a:rPr lang="en-US" dirty="0" smtClean="0"/>
-              <a:t>you see that the “State” of Camp News Import is now “overridden”. This shows that there is a change in the database that is not in your code. You can click on “Recreate” and “Download Feature” to update your code,</a:t>
+              <a:t>Export mappings to code. If you go to Structure -&gt; Features, you see that the “State” of Camp News Import is now “overridden”. This shows that there is a change in the database that is not in your code. You can click on “Recreate” and “Download Feature” to update your code,</a:t>
             </a:r>
           </a:p>
           <a:p>
@@ -11477,11 +11461,7 @@
           <a:p>
             <a:r>
               <a:rPr lang="en-US" dirty="0" smtClean="0"/>
-              <a:t>-OR- </a:t>
-            </a:r>
-            <a:r>
-              <a:rPr lang="en-US" dirty="0" smtClean="0"/>
-              <a:t>use </a:t>
+              <a:t>-OR- use </a:t>
             </a:r>
             <a:r>
               <a:rPr lang="en-US" dirty="0" err="1" smtClean="0"/>
@@ -11491,7 +11471,6 @@
               <a:rPr lang="en-US" dirty="0" smtClean="0"/>
               <a:t> to do in one step:</a:t>
             </a:r>
-            <a:endParaRPr lang="en-US" dirty="0" smtClean="0"/>
           </a:p>
           <a:p>
             <a:endParaRPr lang="en-US" dirty="0"/>
@@ -11555,23 +11534,11 @@
             </a:r>
             <a:r>
               <a:rPr lang="en-US" dirty="0" err="1" smtClean="0"/>
-              <a:t>g</a:t>
-            </a:r>
-            <a:r>
-              <a:rPr lang="en-US" dirty="0" err="1" smtClean="0"/>
-              <a:t>itx</a:t>
-            </a:r>
-            <a:r>
-              <a:rPr lang="en-US" dirty="0" smtClean="0"/>
-              <a:t> to add </a:t>
-            </a:r>
-            <a:r>
-              <a:rPr lang="en-US" dirty="0" smtClean="0"/>
-              <a:t>code, comment “Adds import mappings to code</a:t>
-            </a:r>
-            <a:r>
-              <a:rPr lang="en-US" dirty="0" smtClean="0"/>
-              <a:t>”</a:t>
+              <a:t>gitx</a:t>
+            </a:r>
+            <a:r>
+              <a:rPr lang="en-US" dirty="0" smtClean="0"/>
+              <a:t> to add code, comment “Adds import mappings to code”</a:t>
             </a:r>
           </a:p>
           <a:p>
@@ -11604,11 +11571,7 @@
             </a:r>
             <a:r>
               <a:rPr lang="en-US" dirty="0" smtClean="0"/>
-              <a:t>”, and then see what code changed </a:t>
-            </a:r>
-            <a:r>
-              <a:rPr lang="en-US" dirty="0" smtClean="0"/>
-              <a:t>via </a:t>
+              <a:t>”, and then see what code changed via </a:t>
             </a:r>
             <a:r>
               <a:rPr lang="en-US" dirty="0" err="1" smtClean="0"/>
@@ -11616,13 +11579,8 @@
             </a:r>
             <a:r>
               <a:rPr lang="en-US" dirty="0" smtClean="0"/>
-              <a:t>.</a:t>
-            </a:r>
-            <a:r>
-              <a:rPr lang="en-US" dirty="0" smtClean="0"/>
-              <a:t> </a:t>
-            </a:r>
-            <a:endParaRPr lang="en-US" dirty="0" smtClean="0"/>
+              <a:t>. </a:t>
+            </a:r>
           </a:p>
           <a:p>
             <a:endParaRPr lang="en-US" dirty="0"/>
@@ -12792,11 +12750,7 @@
           <a:p>
             <a:r>
               <a:rPr lang="en-US" sz="2400" i="1" dirty="0" smtClean="0"/>
-              <a:t>Contribute</a:t>
-            </a:r>
-            <a:r>
-              <a:rPr lang="en-US" sz="2400" i="1" dirty="0" smtClean="0"/>
-              <a:t>, contribute, contribute!</a:t>
+              <a:t>Contribute, contribute, contribute!</a:t>
             </a:r>
           </a:p>
           <a:p>
@@ -12813,15 +12767,7 @@
             </a:r>
             <a:r>
               <a:rPr lang="en-US" sz="2400" dirty="0" smtClean="0"/>
-              <a:t> present at </a:t>
-            </a:r>
-            <a:r>
-              <a:rPr lang="en-US" sz="2400" dirty="0" smtClean="0"/>
-              <a:t>our2014 </a:t>
-            </a:r>
-            <a:r>
-              <a:rPr lang="en-US" sz="2400" dirty="0" smtClean="0"/>
-              <a:t>camp!</a:t>
+              <a:t> present at our2014 camp!</a:t>
             </a:r>
           </a:p>
           <a:p>
@@ -13408,16 +13354,20 @@
               <a:t> clone </a:t>
             </a:r>
             <a:r>
-              <a:rPr lang="en-US" sz="2400" dirty="0">
-                <a:hlinkClick r:id="rId3"/>
-              </a:rPr>
-              <a:t>git@github.com:ebanford/</a:t>
-            </a:r>
-            <a:r>
-              <a:rPr lang="en-US" sz="2400" dirty="0" smtClean="0">
-                <a:hlinkClick r:id="rId3"/>
-              </a:rPr>
-              <a:t>camp_news_start.git</a:t>
+              <a:rPr lang="en-US" sz="2400" dirty="0" err="1"/>
+              <a:t>git@</a:t>
+            </a:r>
+            <a:r>
+              <a:rPr lang="en-US" sz="2400" dirty="0" err="1" smtClean="0"/>
+              <a:t>github.com:ebanford</a:t>
+            </a:r>
+            <a:r>
+              <a:rPr lang="en-US" sz="2400" dirty="0"/>
+              <a:t>/news-features-</a:t>
+            </a:r>
+            <a:r>
+              <a:rPr lang="en-US" sz="2400" dirty="0" err="1" smtClean="0"/>
+              <a:t>start.git</a:t>
             </a:r>
             <a:endParaRPr lang="en-US" sz="2400" dirty="0"/>
           </a:p>
@@ -13434,12 +13384,12 @@
               <a:t>create folder </a:t>
             </a:r>
             <a:r>
-              <a:rPr lang="en-US" sz="2400" dirty="0" err="1" smtClean="0"/>
-              <a:t>camp_news_start</a:t>
+              <a:rPr lang="en-US" sz="2400" dirty="0"/>
+              <a:t>news-features-start </a:t>
             </a:r>
             <a:r>
               <a:rPr lang="en-US" sz="2400" dirty="0" smtClean="0"/>
-              <a:t> with data and code files that you will need.</a:t>
+              <a:t>with data and code files that you will need.</a:t>
             </a:r>
           </a:p>
           <a:p>
